--- a/Cyclistic Riders Case Study/Presentation.pptx
+++ b/Cyclistic Riders Case Study/Presentation.pptx
@@ -1,6 +1,6 @@
 
 <file path=ppt/presentation.xml><?xml version="1.0" encoding="utf-8"?>
-<p:presentation xmlns:a="http://schemas.openxmlformats.org/drawingml/2006/main" xmlns:r="http://schemas.openxmlformats.org/officeDocument/2006/relationships" xmlns:p="http://schemas.openxmlformats.org/presentationml/2006/main" saveSubsetFonts="1">
+<p:presentation xmlns:a="http://schemas.openxmlformats.org/drawingml/2006/main" xmlns:r="http://schemas.openxmlformats.org/officeDocument/2006/relationships" xmlns:p="http://schemas.openxmlformats.org/presentationml/2006/main" embedTrueTypeFonts="1" saveSubsetFonts="1">
   <p:sldMasterIdLst>
     <p:sldMasterId id="2147483672" r:id="rId1"/>
   </p:sldMasterIdLst>
@@ -46,6 +46,20 @@
   </p:sldIdLst>
   <p:sldSz cx="9144000" cy="5143500" type="screen16x9"/>
   <p:notesSz cx="6858000" cy="9144000"/>
+  <p:embeddedFontLst>
+    <p:embeddedFont>
+      <p:font typeface="Calibri" pitchFamily="34" charset="0"/>
+      <p:regular r:id="rId38"/>
+      <p:bold r:id="rId39"/>
+      <p:italic r:id="rId40"/>
+      <p:boldItalic r:id="rId41"/>
+    </p:embeddedFont>
+    <p:embeddedFont>
+      <p:font typeface="Neuville" pitchFamily="34" charset="0"/>
+      <p:regular r:id="rId42"/>
+      <p:bold r:id="rId43"/>
+    </p:embeddedFont>
+  </p:embeddedFontLst>
   <p:defaultTextStyle>
     <a:defPPr>
       <a:defRPr lang="en-US"/>
@@ -143,7 +157,7 @@
   </p:defaultTextStyle>
   <p:extLst>
     <p:ext uri="{EFAFB233-063F-42B5-8137-9DF3F51BA10A}">
-      <p15:sldGuideLst xmlns="" xmlns:p15="http://schemas.microsoft.com/office/powerpoint/2012/main">
+      <p15:sldGuideLst xmlns:p15="http://schemas.microsoft.com/office/powerpoint/2012/main" xmlns="">
         <p15:guide id="1" orient="horz" pos="1620">
           <p15:clr>
             <a:srgbClr val="A4A3A4"/>
@@ -12031,13 +12045,13 @@
   <p:clrMapOvr>
     <a:overrideClrMapping bg1="lt1" tx1="dk1" bg2="lt2" tx2="dk2" accent1="accent1" accent2="accent2" accent3="accent3" accent4="accent4" accent5="accent5" accent6="accent6" hlink="hlink" folHlink="folHlink"/>
   </p:clrMapOvr>
-  <mc:AlternateContent xmlns:mc="http://schemas.openxmlformats.org/markup-compatibility/2006">
-    <mc:Choice xmlns:p14="http://schemas.microsoft.com/office/powerpoint/2010/main" Requires="p14">
+  <mc:AlternateContent xmlns:mc="http://schemas.openxmlformats.org/markup-compatibility/2006" xmlns:p14="http://schemas.microsoft.com/office/powerpoint/2010/main">
+    <mc:Choice Requires="p14">
       <p:transition spd="slow" p14:dur="2000">
         <p:fade/>
       </p:transition>
     </mc:Choice>
-    <mc:Fallback>
+    <mc:Fallback xmlns="">
       <p:transition spd="slow">
         <p:fade/>
       </p:transition>
@@ -17016,13 +17030,13 @@
   <p:clrMapOvr>
     <a:masterClrMapping/>
   </p:clrMapOvr>
-  <mc:AlternateContent xmlns:mc="http://schemas.openxmlformats.org/markup-compatibility/2006">
-    <mc:Choice xmlns:p14="http://schemas.microsoft.com/office/powerpoint/2010/main" Requires="p14">
+  <mc:AlternateContent xmlns:mc="http://schemas.openxmlformats.org/markup-compatibility/2006" xmlns:p14="http://schemas.microsoft.com/office/powerpoint/2010/main">
+    <mc:Choice Requires="p14">
       <p:transition spd="med" p14:dur="700">
         <p:fade/>
       </p:transition>
     </mc:Choice>
-    <mc:Fallback>
+    <mc:Fallback xmlns="">
       <p:transition spd="med">
         <p:fade/>
       </p:transition>
@@ -17286,13 +17300,13 @@
   <p:clrMapOvr>
     <a:masterClrMapping/>
   </p:clrMapOvr>
-  <mc:AlternateContent xmlns:mc="http://schemas.openxmlformats.org/markup-compatibility/2006">
-    <mc:Choice xmlns:p14="http://schemas.microsoft.com/office/powerpoint/2010/main" Requires="p14">
+  <mc:AlternateContent xmlns:mc="http://schemas.openxmlformats.org/markup-compatibility/2006" xmlns:p14="http://schemas.microsoft.com/office/powerpoint/2010/main">
+    <mc:Choice Requires="p14">
       <p:transition spd="med" p14:dur="700">
         <p:fade/>
       </p:transition>
     </mc:Choice>
-    <mc:Fallback>
+    <mc:Fallback xmlns="">
       <p:transition spd="med">
         <p:fade/>
       </p:transition>
@@ -18800,7 +18814,7 @@
           <p:cNvPr id="9" name="Rectangle 8">
             <a:extLst>
               <a:ext uri="{FF2B5EF4-FFF2-40B4-BE49-F238E27FC236}">
-                <a16:creationId xmlns="" xmlns:a16="http://schemas.microsoft.com/office/drawing/2014/main" id="{F5DD5A62-2FF4-44FA-A9AC-E27B00D4AF1C}"/>
+                <a16:creationId xmlns:a16="http://schemas.microsoft.com/office/drawing/2014/main" xmlns="" id="{F5DD5A62-2FF4-44FA-A9AC-E27B00D4AF1C}"/>
               </a:ext>
             </a:extLst>
           </p:cNvPr>
@@ -18854,7 +18868,7 @@
           <p:cNvPr id="10" name="Rectangle 9">
             <a:extLst>
               <a:ext uri="{FF2B5EF4-FFF2-40B4-BE49-F238E27FC236}">
-                <a16:creationId xmlns="" xmlns:a16="http://schemas.microsoft.com/office/drawing/2014/main" id="{24A15EC6-3DCD-45C5-8DE4-A4F822426B55}"/>
+                <a16:creationId xmlns:a16="http://schemas.microsoft.com/office/drawing/2014/main" xmlns="" id="{24A15EC6-3DCD-45C5-8DE4-A4F822426B55}"/>
               </a:ext>
             </a:extLst>
           </p:cNvPr>
@@ -18911,13 +18925,13 @@
   <p:clrMapOvr>
     <a:masterClrMapping/>
   </p:clrMapOvr>
-  <mc:AlternateContent xmlns:mc="http://schemas.openxmlformats.org/markup-compatibility/2006">
-    <mc:Choice xmlns:p14="http://schemas.microsoft.com/office/powerpoint/2010/main" Requires="p14">
+  <mc:AlternateContent xmlns:mc="http://schemas.openxmlformats.org/markup-compatibility/2006" xmlns:p14="http://schemas.microsoft.com/office/powerpoint/2010/main">
+    <mc:Choice Requires="p14">
       <p:transition spd="med" p14:dur="700">
         <p:fade/>
       </p:transition>
     </mc:Choice>
-    <mc:Fallback>
+    <mc:Fallback xmlns="">
       <p:transition spd="med">
         <p:fade/>
       </p:transition>
@@ -19229,7 +19243,7 @@
           <p:cNvPr id="7" name="Picture 6">
             <a:extLst>
               <a:ext uri="{FF2B5EF4-FFF2-40B4-BE49-F238E27FC236}">
-                <a16:creationId xmlns="" xmlns:a16="http://schemas.microsoft.com/office/drawing/2014/main" id="{DB03E2F9-5806-49C4-A4B1-AC3DD9B33CC5}"/>
+                <a16:creationId xmlns:a16="http://schemas.microsoft.com/office/drawing/2014/main" xmlns="" id="{DB03E2F9-5806-49C4-A4B1-AC3DD9B33CC5}"/>
               </a:ext>
             </a:extLst>
           </p:cNvPr>
@@ -19258,7 +19272,7 @@
           <p:cNvPr id="9" name="Rectangle 8">
             <a:extLst>
               <a:ext uri="{FF2B5EF4-FFF2-40B4-BE49-F238E27FC236}">
-                <a16:creationId xmlns="" xmlns:a16="http://schemas.microsoft.com/office/drawing/2014/main" id="{46D61045-C062-430E-AF25-0922FB322139}"/>
+                <a16:creationId xmlns:a16="http://schemas.microsoft.com/office/drawing/2014/main" xmlns="" id="{46D61045-C062-430E-AF25-0922FB322139}"/>
               </a:ext>
             </a:extLst>
           </p:cNvPr>
@@ -19321,7 +19335,7 @@
           <p:cNvPr id="4" name="Rectangle 3">
             <a:extLst>
               <a:ext uri="{FF2B5EF4-FFF2-40B4-BE49-F238E27FC236}">
-                <a16:creationId xmlns="" xmlns:a16="http://schemas.microsoft.com/office/drawing/2014/main" id="{F5B9BA8B-5CAA-459E-B6BA-80A8700ECB0C}"/>
+                <a16:creationId xmlns:a16="http://schemas.microsoft.com/office/drawing/2014/main" xmlns="" id="{F5B9BA8B-5CAA-459E-B6BA-80A8700ECB0C}"/>
               </a:ext>
             </a:extLst>
           </p:cNvPr>
@@ -19375,7 +19389,7 @@
           <p:cNvPr id="5" name="Rectangle 4">
             <a:extLst>
               <a:ext uri="{FF2B5EF4-FFF2-40B4-BE49-F238E27FC236}">
-                <a16:creationId xmlns="" xmlns:a16="http://schemas.microsoft.com/office/drawing/2014/main" id="{52C008A3-3F9F-4A47-90A4-D3ABEC6D356C}"/>
+                <a16:creationId xmlns:a16="http://schemas.microsoft.com/office/drawing/2014/main" xmlns="" id="{52C008A3-3F9F-4A47-90A4-D3ABEC6D356C}"/>
               </a:ext>
             </a:extLst>
           </p:cNvPr>
@@ -19427,7 +19441,7 @@
           <p:cNvPr id="11" name="Picture 10">
             <a:extLst>
               <a:ext uri="{FF2B5EF4-FFF2-40B4-BE49-F238E27FC236}">
-                <a16:creationId xmlns="" xmlns:a16="http://schemas.microsoft.com/office/drawing/2014/main" id="{A9EE65E7-5812-4B2E-835B-86099675E962}"/>
+                <a16:creationId xmlns:a16="http://schemas.microsoft.com/office/drawing/2014/main" xmlns="" id="{A9EE65E7-5812-4B2E-835B-86099675E962}"/>
               </a:ext>
             </a:extLst>
           </p:cNvPr>
@@ -19468,7 +19482,7 @@
           <p:cNvPr id="2" name="TextBox 1">
             <a:extLst>
               <a:ext uri="{FF2B5EF4-FFF2-40B4-BE49-F238E27FC236}">
-                <a16:creationId xmlns="" xmlns:a16="http://schemas.microsoft.com/office/drawing/2014/main" id="{F80946E4-6A17-49DD-B6CA-500A4624B2E2}"/>
+                <a16:creationId xmlns:a16="http://schemas.microsoft.com/office/drawing/2014/main" xmlns="" id="{F80946E4-6A17-49DD-B6CA-500A4624B2E2}"/>
               </a:ext>
             </a:extLst>
           </p:cNvPr>
@@ -19541,13 +19555,13 @@
   <p:clrMapOvr>
     <a:masterClrMapping/>
   </p:clrMapOvr>
-  <mc:AlternateContent xmlns:mc="http://schemas.openxmlformats.org/markup-compatibility/2006">
-    <mc:Choice xmlns:p14="http://schemas.microsoft.com/office/powerpoint/2010/main" Requires="p14">
+  <mc:AlternateContent xmlns:mc="http://schemas.openxmlformats.org/markup-compatibility/2006" xmlns:p14="http://schemas.microsoft.com/office/powerpoint/2010/main">
+    <mc:Choice Requires="p14">
       <p:transition spd="slow" p14:dur="1500">
         <p:fade/>
       </p:transition>
     </mc:Choice>
-    <mc:Fallback>
+    <mc:Fallback xmlns="">
       <p:transition spd="slow">
         <p:fade/>
       </p:transition>
@@ -19749,7 +19763,7 @@
           <p:cNvPr id="6" name="Picture 5">
             <a:extLst>
               <a:ext uri="{FF2B5EF4-FFF2-40B4-BE49-F238E27FC236}">
-                <a16:creationId xmlns="" xmlns:a16="http://schemas.microsoft.com/office/drawing/2014/main" id="{52F23E4D-36CF-4C7F-B5BB-44C745D98144}"/>
+                <a16:creationId xmlns:a16="http://schemas.microsoft.com/office/drawing/2014/main" xmlns="" id="{52F23E4D-36CF-4C7F-B5BB-44C745D98144}"/>
               </a:ext>
             </a:extLst>
           </p:cNvPr>
@@ -19778,7 +19792,7 @@
           <p:cNvPr id="8" name="Rectangle 7">
             <a:extLst>
               <a:ext uri="{FF2B5EF4-FFF2-40B4-BE49-F238E27FC236}">
-                <a16:creationId xmlns="" xmlns:a16="http://schemas.microsoft.com/office/drawing/2014/main" id="{46D61045-C062-430E-AF25-0922FB322139}"/>
+                <a16:creationId xmlns:a16="http://schemas.microsoft.com/office/drawing/2014/main" xmlns="" id="{46D61045-C062-430E-AF25-0922FB322139}"/>
               </a:ext>
             </a:extLst>
           </p:cNvPr>
@@ -19841,7 +19855,7 @@
           <p:cNvPr id="2" name="TextBox 1">
             <a:extLst>
               <a:ext uri="{FF2B5EF4-FFF2-40B4-BE49-F238E27FC236}">
-                <a16:creationId xmlns="" xmlns:a16="http://schemas.microsoft.com/office/drawing/2014/main" id="{F80946E4-6A17-49DD-B6CA-500A4624B2E2}"/>
+                <a16:creationId xmlns:a16="http://schemas.microsoft.com/office/drawing/2014/main" xmlns="" id="{F80946E4-6A17-49DD-B6CA-500A4624B2E2}"/>
               </a:ext>
             </a:extLst>
           </p:cNvPr>
@@ -19947,7 +19961,7 @@
           <p:cNvPr id="4" name="Rectangle 3">
             <a:extLst>
               <a:ext uri="{FF2B5EF4-FFF2-40B4-BE49-F238E27FC236}">
-                <a16:creationId xmlns="" xmlns:a16="http://schemas.microsoft.com/office/drawing/2014/main" id="{F5B9BA8B-5CAA-459E-B6BA-80A8700ECB0C}"/>
+                <a16:creationId xmlns:a16="http://schemas.microsoft.com/office/drawing/2014/main" xmlns="" id="{F5B9BA8B-5CAA-459E-B6BA-80A8700ECB0C}"/>
               </a:ext>
             </a:extLst>
           </p:cNvPr>
@@ -20001,7 +20015,7 @@
           <p:cNvPr id="5" name="Rectangle 4">
             <a:extLst>
               <a:ext uri="{FF2B5EF4-FFF2-40B4-BE49-F238E27FC236}">
-                <a16:creationId xmlns="" xmlns:a16="http://schemas.microsoft.com/office/drawing/2014/main" id="{52C008A3-3F9F-4A47-90A4-D3ABEC6D356C}"/>
+                <a16:creationId xmlns:a16="http://schemas.microsoft.com/office/drawing/2014/main" xmlns="" id="{52C008A3-3F9F-4A47-90A4-D3ABEC6D356C}"/>
               </a:ext>
             </a:extLst>
           </p:cNvPr>
@@ -20053,7 +20067,7 @@
           <p:cNvPr id="9" name="Picture 8">
             <a:extLst>
               <a:ext uri="{FF2B5EF4-FFF2-40B4-BE49-F238E27FC236}">
-                <a16:creationId xmlns="" xmlns:a16="http://schemas.microsoft.com/office/drawing/2014/main" id="{3360EDB8-43C1-4BFF-910B-EB37ED1FE48C}"/>
+                <a16:creationId xmlns:a16="http://schemas.microsoft.com/office/drawing/2014/main" xmlns="" id="{3360EDB8-43C1-4BFF-910B-EB37ED1FE48C}"/>
               </a:ext>
             </a:extLst>
           </p:cNvPr>
@@ -20099,13 +20113,13 @@
   <p:clrMapOvr>
     <a:masterClrMapping/>
   </p:clrMapOvr>
-  <mc:AlternateContent xmlns:mc="http://schemas.openxmlformats.org/markup-compatibility/2006">
-    <mc:Choice xmlns:p14="http://schemas.microsoft.com/office/powerpoint/2010/main" Requires="p14">
+  <mc:AlternateContent xmlns:mc="http://schemas.openxmlformats.org/markup-compatibility/2006" xmlns:p14="http://schemas.microsoft.com/office/powerpoint/2010/main">
+    <mc:Choice Requires="p14">
       <p:transition spd="slow" p14:dur="1500">
         <p:fade/>
       </p:transition>
     </mc:Choice>
-    <mc:Fallback>
+    <mc:Fallback xmlns="">
       <p:transition spd="slow">
         <p:fade/>
       </p:transition>
@@ -20307,7 +20321,7 @@
           <p:cNvPr id="9" name="Picture 2" descr="See the source image">
             <a:extLst>
               <a:ext uri="{FF2B5EF4-FFF2-40B4-BE49-F238E27FC236}">
-                <a16:creationId xmlns="" xmlns:a16="http://schemas.microsoft.com/office/drawing/2014/main" id="{92D25539-B15B-4FCE-9A56-C4153D849526}"/>
+                <a16:creationId xmlns:a16="http://schemas.microsoft.com/office/drawing/2014/main" xmlns="" id="{92D25539-B15B-4FCE-9A56-C4153D849526}"/>
               </a:ext>
             </a:extLst>
           </p:cNvPr>
@@ -20361,7 +20375,7 @@
           <p:cNvPr id="2" name="TextBox 1">
             <a:extLst>
               <a:ext uri="{FF2B5EF4-FFF2-40B4-BE49-F238E27FC236}">
-                <a16:creationId xmlns="" xmlns:a16="http://schemas.microsoft.com/office/drawing/2014/main" id="{23276854-6AB2-41A5-992B-222C36581624}"/>
+                <a16:creationId xmlns:a16="http://schemas.microsoft.com/office/drawing/2014/main" xmlns="" id="{23276854-6AB2-41A5-992B-222C36581624}"/>
               </a:ext>
             </a:extLst>
           </p:cNvPr>
@@ -20401,7 +20415,7 @@
           <p:cNvPr id="3" name="TextBox 2">
             <a:extLst>
               <a:ext uri="{FF2B5EF4-FFF2-40B4-BE49-F238E27FC236}">
-                <a16:creationId xmlns="" xmlns:a16="http://schemas.microsoft.com/office/drawing/2014/main" id="{4C547D8D-9B39-43E5-A812-949359DBAAA6}"/>
+                <a16:creationId xmlns:a16="http://schemas.microsoft.com/office/drawing/2014/main" xmlns="" id="{4C547D8D-9B39-43E5-A812-949359DBAAA6}"/>
               </a:ext>
             </a:extLst>
           </p:cNvPr>
@@ -20463,7 +20477,7 @@
           <p:cNvPr id="4" name="TextBox 3">
             <a:extLst>
               <a:ext uri="{FF2B5EF4-FFF2-40B4-BE49-F238E27FC236}">
-                <a16:creationId xmlns="" xmlns:a16="http://schemas.microsoft.com/office/drawing/2014/main" id="{D5A65518-F3ED-4FF5-8DD6-11E3CE3C01D2}"/>
+                <a16:creationId xmlns:a16="http://schemas.microsoft.com/office/drawing/2014/main" xmlns="" id="{D5A65518-F3ED-4FF5-8DD6-11E3CE3C01D2}"/>
               </a:ext>
             </a:extLst>
           </p:cNvPr>
@@ -20531,7 +20545,7 @@
           <p:cNvPr id="5" name="TextBox 4">
             <a:extLst>
               <a:ext uri="{FF2B5EF4-FFF2-40B4-BE49-F238E27FC236}">
-                <a16:creationId xmlns="" xmlns:a16="http://schemas.microsoft.com/office/drawing/2014/main" id="{995AF235-C4A1-41A0-8C23-676FB5D29718}"/>
+                <a16:creationId xmlns:a16="http://schemas.microsoft.com/office/drawing/2014/main" xmlns="" id="{995AF235-C4A1-41A0-8C23-676FB5D29718}"/>
               </a:ext>
             </a:extLst>
           </p:cNvPr>
@@ -20611,7 +20625,7 @@
           <p:cNvPr id="1026" name="Picture 2" descr="See the source image">
             <a:extLst>
               <a:ext uri="{FF2B5EF4-FFF2-40B4-BE49-F238E27FC236}">
-                <a16:creationId xmlns="" xmlns:a16="http://schemas.microsoft.com/office/drawing/2014/main" id="{DA154F81-9109-4EC3-A7C6-1F0A17FF61E4}"/>
+                <a16:creationId xmlns:a16="http://schemas.microsoft.com/office/drawing/2014/main" xmlns="" id="{DA154F81-9109-4EC3-A7C6-1F0A17FF61E4}"/>
               </a:ext>
             </a:extLst>
           </p:cNvPr>
@@ -20658,7 +20672,7 @@
           <p:cNvPr id="10" name="Picture 2" descr="See the source image">
             <a:extLst>
               <a:ext uri="{FF2B5EF4-FFF2-40B4-BE49-F238E27FC236}">
-                <a16:creationId xmlns="" xmlns:a16="http://schemas.microsoft.com/office/drawing/2014/main" id="{B99D838E-A927-4857-A47C-91BA4729FCE4}"/>
+                <a16:creationId xmlns:a16="http://schemas.microsoft.com/office/drawing/2014/main" xmlns="" id="{B99D838E-A927-4857-A47C-91BA4729FCE4}"/>
               </a:ext>
             </a:extLst>
           </p:cNvPr>
@@ -20705,7 +20719,7 @@
           <p:cNvPr id="11" name="Picture 2" descr="See the source image">
             <a:extLst>
               <a:ext uri="{FF2B5EF4-FFF2-40B4-BE49-F238E27FC236}">
-                <a16:creationId xmlns="" xmlns:a16="http://schemas.microsoft.com/office/drawing/2014/main" id="{87ED3CFC-7F03-403A-BB98-EE8CAC92BFBC}"/>
+                <a16:creationId xmlns:a16="http://schemas.microsoft.com/office/drawing/2014/main" xmlns="" id="{87ED3CFC-7F03-403A-BB98-EE8CAC92BFBC}"/>
               </a:ext>
             </a:extLst>
           </p:cNvPr>
@@ -20752,7 +20766,7 @@
           <p:cNvPr id="12" name="Picture 11">
             <a:extLst>
               <a:ext uri="{FF2B5EF4-FFF2-40B4-BE49-F238E27FC236}">
-                <a16:creationId xmlns="" xmlns:a16="http://schemas.microsoft.com/office/drawing/2014/main" id="{E3EC0A49-C75A-4354-AD8E-CA5CC15EB1E1}"/>
+                <a16:creationId xmlns:a16="http://schemas.microsoft.com/office/drawing/2014/main" xmlns="" id="{E3EC0A49-C75A-4354-AD8E-CA5CC15EB1E1}"/>
               </a:ext>
             </a:extLst>
           </p:cNvPr>
@@ -20798,13 +20812,13 @@
   <p:clrMapOvr>
     <a:masterClrMapping/>
   </p:clrMapOvr>
-  <mc:AlternateContent xmlns:mc="http://schemas.openxmlformats.org/markup-compatibility/2006">
-    <mc:Choice xmlns:p14="http://schemas.microsoft.com/office/powerpoint/2010/main" Requires="p14">
+  <mc:AlternateContent xmlns:mc="http://schemas.openxmlformats.org/markup-compatibility/2006" xmlns:p14="http://schemas.microsoft.com/office/powerpoint/2010/main">
+    <mc:Choice Requires="p14">
       <p:transition spd="slow" p14:dur="1500">
         <p:fade/>
       </p:transition>
     </mc:Choice>
-    <mc:Fallback>
+    <mc:Fallback xmlns="">
       <p:transition spd="slow">
         <p:fade/>
       </p:transition>
@@ -21129,7 +21143,7 @@
           <p:cNvPr id="5" name="Picture 4">
             <a:extLst>
               <a:ext uri="{FF2B5EF4-FFF2-40B4-BE49-F238E27FC236}">
-                <a16:creationId xmlns="" xmlns:a16="http://schemas.microsoft.com/office/drawing/2014/main" id="{00D7B8BD-BCFA-4BCA-B59C-CFFC456DFC03}"/>
+                <a16:creationId xmlns:a16="http://schemas.microsoft.com/office/drawing/2014/main" xmlns="" id="{00D7B8BD-BCFA-4BCA-B59C-CFFC456DFC03}"/>
               </a:ext>
             </a:extLst>
           </p:cNvPr>
@@ -21158,7 +21172,7 @@
           <p:cNvPr id="6" name="TextBox 5">
             <a:extLst>
               <a:ext uri="{FF2B5EF4-FFF2-40B4-BE49-F238E27FC236}">
-                <a16:creationId xmlns="" xmlns:a16="http://schemas.microsoft.com/office/drawing/2014/main" id="{DCBF5765-1325-4259-9886-441CBF5EED71}"/>
+                <a16:creationId xmlns:a16="http://schemas.microsoft.com/office/drawing/2014/main" xmlns="" id="{DCBF5765-1325-4259-9886-441CBF5EED71}"/>
               </a:ext>
             </a:extLst>
           </p:cNvPr>
@@ -21229,7 +21243,7 @@
           <p:cNvPr id="7" name="Picture 6">
             <a:extLst>
               <a:ext uri="{FF2B5EF4-FFF2-40B4-BE49-F238E27FC236}">
-                <a16:creationId xmlns="" xmlns:a16="http://schemas.microsoft.com/office/drawing/2014/main" id="{63394439-1314-49D3-AC98-8FB6036081B8}"/>
+                <a16:creationId xmlns:a16="http://schemas.microsoft.com/office/drawing/2014/main" xmlns="" id="{63394439-1314-49D3-AC98-8FB6036081B8}"/>
               </a:ext>
             </a:extLst>
           </p:cNvPr>
@@ -21275,13 +21289,13 @@
   <p:clrMapOvr>
     <a:masterClrMapping/>
   </p:clrMapOvr>
-  <mc:AlternateContent xmlns:mc="http://schemas.openxmlformats.org/markup-compatibility/2006">
-    <mc:Choice xmlns:p14="http://schemas.microsoft.com/office/powerpoint/2010/main" Requires="p14">
+  <mc:AlternateContent xmlns:mc="http://schemas.openxmlformats.org/markup-compatibility/2006" xmlns:p14="http://schemas.microsoft.com/office/powerpoint/2010/main">
+    <mc:Choice Requires="p14">
       <p:transition spd="slow" p14:dur="1500">
         <p:fade/>
       </p:transition>
     </mc:Choice>
-    <mc:Fallback>
+    <mc:Fallback xmlns="">
       <p:transition spd="slow">
         <p:fade/>
       </p:transition>
@@ -21746,7 +21760,7 @@
           <p:cNvPr id="2" name="Title 1">
             <a:extLst>
               <a:ext uri="{FF2B5EF4-FFF2-40B4-BE49-F238E27FC236}">
-                <a16:creationId xmlns="" xmlns:a16="http://schemas.microsoft.com/office/drawing/2014/main" id="{95302FA4-5DBD-47B8-A996-FBC3E73EC88D}"/>
+                <a16:creationId xmlns:a16="http://schemas.microsoft.com/office/drawing/2014/main" xmlns="" id="{95302FA4-5DBD-47B8-A996-FBC3E73EC88D}"/>
               </a:ext>
             </a:extLst>
           </p:cNvPr>
@@ -22358,7 +22372,7 @@
           <p:cNvPr id="20" name="Picture 19">
             <a:extLst>
               <a:ext uri="{FF2B5EF4-FFF2-40B4-BE49-F238E27FC236}">
-                <a16:creationId xmlns="" xmlns:a16="http://schemas.microsoft.com/office/drawing/2014/main" id="{63394439-1314-49D3-AC98-8FB6036081B8}"/>
+                <a16:creationId xmlns:a16="http://schemas.microsoft.com/office/drawing/2014/main" xmlns="" id="{63394439-1314-49D3-AC98-8FB6036081B8}"/>
               </a:ext>
             </a:extLst>
           </p:cNvPr>
@@ -22404,13 +22418,13 @@
   <p:clrMapOvr>
     <a:masterClrMapping/>
   </p:clrMapOvr>
-  <mc:AlternateContent xmlns:mc="http://schemas.openxmlformats.org/markup-compatibility/2006">
-    <mc:Choice xmlns:p14="http://schemas.microsoft.com/office/powerpoint/2010/main" Requires="p14">
+  <mc:AlternateContent xmlns:mc="http://schemas.openxmlformats.org/markup-compatibility/2006" xmlns:p14="http://schemas.microsoft.com/office/powerpoint/2010/main">
+    <mc:Choice Requires="p14">
       <p:transition spd="med" p14:dur="700">
         <p:fade/>
       </p:transition>
     </mc:Choice>
-    <mc:Fallback>
+    <mc:Fallback xmlns="">
       <p:transition spd="med">
         <p:fade/>
       </p:transition>
@@ -23113,7 +23127,7 @@
           <p:cNvPr id="10" name="Picture 9">
             <a:extLst>
               <a:ext uri="{FF2B5EF4-FFF2-40B4-BE49-F238E27FC236}">
-                <a16:creationId xmlns="" xmlns:a16="http://schemas.microsoft.com/office/drawing/2014/main" id="{63394439-1314-49D3-AC98-8FB6036081B8}"/>
+                <a16:creationId xmlns:a16="http://schemas.microsoft.com/office/drawing/2014/main" xmlns="" id="{63394439-1314-49D3-AC98-8FB6036081B8}"/>
               </a:ext>
             </a:extLst>
           </p:cNvPr>
@@ -23159,13 +23173,13 @@
   <p:clrMapOvr>
     <a:masterClrMapping/>
   </p:clrMapOvr>
-  <mc:AlternateContent xmlns:mc="http://schemas.openxmlformats.org/markup-compatibility/2006">
-    <mc:Choice xmlns:p14="http://schemas.microsoft.com/office/powerpoint/2010/main" Requires="p14">
+  <mc:AlternateContent xmlns:mc="http://schemas.openxmlformats.org/markup-compatibility/2006" xmlns:p14="http://schemas.microsoft.com/office/powerpoint/2010/main">
+    <mc:Choice Requires="p14">
       <p:transition spd="med" p14:dur="700">
         <p:fade/>
       </p:transition>
     </mc:Choice>
-    <mc:Fallback>
+    <mc:Fallback xmlns="">
       <p:transition spd="med">
         <p:fade/>
       </p:transition>
@@ -23681,13 +23695,13 @@
   <p:clrMapOvr>
     <a:masterClrMapping/>
   </p:clrMapOvr>
-  <mc:AlternateContent xmlns:mc="http://schemas.openxmlformats.org/markup-compatibility/2006">
-    <mc:Choice xmlns:p14="http://schemas.microsoft.com/office/powerpoint/2010/main" Requires="p14">
+  <mc:AlternateContent xmlns:mc="http://schemas.openxmlformats.org/markup-compatibility/2006" xmlns:p14="http://schemas.microsoft.com/office/powerpoint/2010/main">
+    <mc:Choice Requires="p14">
       <p:transition spd="med" p14:dur="700">
         <p:fade/>
       </p:transition>
     </mc:Choice>
-    <mc:Fallback>
+    <mc:Fallback xmlns="">
       <p:transition spd="med">
         <p:fade/>
       </p:transition>
@@ -23823,7 +23837,7 @@
           <p:cNvPr id="4" name="Picture 3">
             <a:extLst>
               <a:ext uri="{FF2B5EF4-FFF2-40B4-BE49-F238E27FC236}">
-                <a16:creationId xmlns="" xmlns:a16="http://schemas.microsoft.com/office/drawing/2014/main" id="{63394439-1314-49D3-AC98-8FB6036081B8}"/>
+                <a16:creationId xmlns:a16="http://schemas.microsoft.com/office/drawing/2014/main" xmlns="" id="{63394439-1314-49D3-AC98-8FB6036081B8}"/>
               </a:ext>
             </a:extLst>
           </p:cNvPr>
@@ -23869,13 +23883,13 @@
   <p:clrMapOvr>
     <a:masterClrMapping/>
   </p:clrMapOvr>
-  <mc:AlternateContent xmlns:mc="http://schemas.openxmlformats.org/markup-compatibility/2006">
-    <mc:Choice xmlns:p14="http://schemas.microsoft.com/office/powerpoint/2010/main" Requires="p14">
+  <mc:AlternateContent xmlns:mc="http://schemas.openxmlformats.org/markup-compatibility/2006" xmlns:p14="http://schemas.microsoft.com/office/powerpoint/2010/main">
+    <mc:Choice Requires="p14">
       <p:transition spd="med" p14:dur="700">
         <p:fade/>
       </p:transition>
     </mc:Choice>
-    <mc:Fallback>
+    <mc:Fallback xmlns="">
       <p:transition spd="med">
         <p:fade/>
       </p:transition>
